--- a/Day 2/Lecture Slides/Day 2 Slides.pptx
+++ b/Day 2/Lecture Slides/Day 2 Slides.pptx
@@ -258,7 +258,7 @@
           <a:p>
             <a:fld id="{C1BA31B9-3973-47BB-A769-C9355840A371}" type="datetimeFigureOut">
               <a:rPr lang="en-US" smtClean="0"/>
-              <a:t>1/8/2017</a:t>
+              <a:t>1/10/2017</a:t>
             </a:fld>
             <a:endParaRPr lang="en-US"/>
           </a:p>
@@ -4052,7 +4052,7 @@
           <a:p>
             <a:fld id="{90187E87-00B9-445A-8D49-C5EA21AFF997}" type="datetime1">
               <a:rPr lang="en-US" smtClean="0"/>
-              <a:t>1/8/2017</a:t>
+              <a:t>1/10/2017</a:t>
             </a:fld>
             <a:endParaRPr lang="en-US"/>
           </a:p>
@@ -4273,7 +4273,7 @@
           <a:p>
             <a:fld id="{096F9D19-0B27-4869-88F9-365098868A7F}" type="datetime1">
               <a:rPr lang="en-US" smtClean="0"/>
-              <a:t>1/8/2017</a:t>
+              <a:t>1/10/2017</a:t>
             </a:fld>
             <a:endParaRPr lang="en-US"/>
           </a:p>
@@ -4453,7 +4453,7 @@
           <a:p>
             <a:fld id="{AD3B7F37-9439-40A1-AEEF-AD67BB0D4AAC}" type="datetime1">
               <a:rPr lang="en-US" smtClean="0"/>
-              <a:t>1/8/2017</a:t>
+              <a:t>1/10/2017</a:t>
             </a:fld>
             <a:endParaRPr lang="en-US"/>
           </a:p>
@@ -4702,7 +4702,7 @@
             </a:pPr>
             <a:fld id="{68164054-3012-482D-9EB5-FE9FE872DCFE}" type="datetime1">
               <a:rPr lang="en-US" smtClean="0"/>
-              <a:t>1/8/2017</a:t>
+              <a:t>1/10/2017</a:t>
             </a:fld>
             <a:endParaRPr lang="en-US"/>
           </a:p>
@@ -4891,7 +4891,7 @@
             </a:pPr>
             <a:fld id="{DDA27990-1BC7-4AD4-B6DB-9A5EAA7E20DB}" type="datetime1">
               <a:rPr lang="en-US" smtClean="0"/>
-              <a:t>1/8/2017</a:t>
+              <a:t>1/10/2017</a:t>
             </a:fld>
             <a:endParaRPr lang="en-US"/>
           </a:p>
@@ -5088,7 +5088,7 @@
           <a:p>
             <a:fld id="{6186BA2A-CEBF-4FAC-A01D-170852E3EB13}" type="datetime1">
               <a:rPr lang="en-US" smtClean="0"/>
-              <a:t>1/8/2017</a:t>
+              <a:t>1/10/2017</a:t>
             </a:fld>
             <a:endParaRPr lang="en-US"/>
           </a:p>
@@ -5346,7 +5346,7 @@
           <a:p>
             <a:fld id="{B5212E68-AB57-4F56-9514-81BEE86EE853}" type="datetime1">
               <a:rPr lang="en-US" smtClean="0"/>
-              <a:t>1/8/2017</a:t>
+              <a:t>1/10/2017</a:t>
             </a:fld>
             <a:endParaRPr lang="en-US"/>
           </a:p>
@@ -5669,7 +5669,7 @@
           <a:p>
             <a:fld id="{E41FD155-039D-4424-A31E-3636442F6E36}" type="datetime1">
               <a:rPr lang="en-US" smtClean="0"/>
-              <a:t>1/8/2017</a:t>
+              <a:t>1/10/2017</a:t>
             </a:fld>
             <a:endParaRPr lang="en-US"/>
           </a:p>
@@ -6093,7 +6093,7 @@
           <a:p>
             <a:fld id="{64126646-2279-486A-B40D-6145D7D6D51B}" type="datetime1">
               <a:rPr lang="en-US" smtClean="0"/>
-              <a:t>1/8/2017</a:t>
+              <a:t>1/10/2017</a:t>
             </a:fld>
             <a:endParaRPr lang="en-US"/>
           </a:p>
@@ -6211,7 +6211,7 @@
           <a:p>
             <a:fld id="{EB0B8D8C-4F8E-4FB9-992A-BE6AEAF72144}" type="datetime1">
               <a:rPr lang="en-US" smtClean="0"/>
-              <a:t>1/8/2017</a:t>
+              <a:t>1/10/2017</a:t>
             </a:fld>
             <a:endParaRPr lang="en-US"/>
           </a:p>
@@ -6306,7 +6306,7 @@
           <a:p>
             <a:fld id="{535ABF41-E07B-4A76-B381-06013911A931}" type="datetime1">
               <a:rPr lang="en-US" smtClean="0"/>
-              <a:t>1/8/2017</a:t>
+              <a:t>1/10/2017</a:t>
             </a:fld>
             <a:endParaRPr lang="en-US"/>
           </a:p>
@@ -6596,7 +6596,7 @@
           <a:p>
             <a:fld id="{6FC7F623-53E3-4FED-9930-39EA7732EA27}" type="datetime1">
               <a:rPr lang="en-US" smtClean="0"/>
-              <a:t>1/8/2017</a:t>
+              <a:t>1/10/2017</a:t>
             </a:fld>
             <a:endParaRPr lang="en-US"/>
           </a:p>
@@ -6868,7 +6868,7 @@
           <a:p>
             <a:fld id="{FA00CAC2-29F8-40CA-B143-AB13DA75749C}" type="datetime1">
               <a:rPr lang="en-US" smtClean="0"/>
-              <a:t>1/8/2017</a:t>
+              <a:t>1/10/2017</a:t>
             </a:fld>
             <a:endParaRPr lang="en-US"/>
           </a:p>
@@ -7122,7 +7122,7 @@
           <a:p>
             <a:fld id="{2E5D7971-9A78-471E-B993-894E22B9485D}" type="datetime1">
               <a:rPr lang="en-US" smtClean="0"/>
-              <a:t>1/8/2017</a:t>
+              <a:t>1/10/2017</a:t>
             </a:fld>
             <a:endParaRPr lang="en-US"/>
           </a:p>
@@ -7861,6 +7861,13 @@
   <p:clrMapOvr>
     <a:masterClrMapping/>
   </p:clrMapOvr>
+  <p:timing>
+    <p:tnLst>
+      <p:par>
+        <p:cTn id="1" dur="indefinite" restart="never" nodeType="tmRoot"/>
+      </p:par>
+    </p:tnLst>
+  </p:timing>
 </p:sld>
 </file>
 
@@ -8012,6 +8019,13 @@
   <p:clrMapOvr>
     <a:masterClrMapping/>
   </p:clrMapOvr>
+  <p:timing>
+    <p:tnLst>
+      <p:par>
+        <p:cTn id="1" dur="indefinite" restart="never" nodeType="tmRoot"/>
+      </p:par>
+    </p:tnLst>
+  </p:timing>
 </p:sld>
 </file>
 
@@ -9173,6 +9187,13 @@
   <p:clrMapOvr>
     <a:masterClrMapping/>
   </p:clrMapOvr>
+  <p:timing>
+    <p:tnLst>
+      <p:par>
+        <p:cTn id="1" dur="indefinite" restart="never" nodeType="tmRoot"/>
+      </p:par>
+    </p:tnLst>
+  </p:timing>
 </p:sld>
 </file>
 
@@ -9239,15 +9260,7 @@
           <a:p>
             <a:r>
               <a:rPr lang="en-US" dirty="0" smtClean="0"/>
-              <a:t>The two partners each have a score but across dyads </a:t>
-            </a:r>
-            <a:r>
-              <a:rPr lang="en-US" dirty="0" smtClean="0"/>
-              <a:t>the average </a:t>
-            </a:r>
-            <a:r>
-              <a:rPr lang="en-US" dirty="0" smtClean="0"/>
-              <a:t>scores are the same (e.g., gender in heterosexual couples)</a:t>
+              <a:t>The two partners each have a score but across dyads the average scores are the same (e.g., gender in heterosexual couples)</a:t>
             </a:r>
           </a:p>
           <a:p>
@@ -9285,6 +9298,13 @@
   <p:clrMapOvr>
     <a:masterClrMapping/>
   </p:clrMapOvr>
+  <p:timing>
+    <p:tnLst>
+      <p:par>
+        <p:cTn id="1" dur="indefinite" restart="never" nodeType="tmRoot"/>
+      </p:par>
+    </p:tnLst>
+  </p:timing>
 </p:sld>
 </file>
 
@@ -9345,13 +9365,8 @@
           <a:p>
             <a:r>
               <a:rPr lang="en-US" dirty="0" smtClean="0"/>
-              <a:t>One moderation variable </a:t>
-            </a:r>
-            <a:r>
-              <a:rPr lang="en-US" dirty="0" smtClean="0"/>
-              <a:t>(one score per dyad)</a:t>
-            </a:r>
-            <a:endParaRPr lang="en-US" dirty="0" smtClean="0"/>
+              <a:t>One moderation variable (one score per dyad)</a:t>
+            </a:r>
           </a:p>
           <a:p>
             <a:r>
@@ -9414,6 +9429,13 @@
   <p:clrMapOvr>
     <a:masterClrMapping/>
   </p:clrMapOvr>
+  <p:timing>
+    <p:tnLst>
+      <p:par>
+        <p:cTn id="1" dur="indefinite" restart="never" nodeType="tmRoot"/>
+      </p:par>
+    </p:tnLst>
+  </p:timing>
 </p:sld>
 </file>
 
@@ -9453,7 +9475,6 @@
               <a:rPr lang="en-US" dirty="0"/>
               <a:t>Between-Dyads Moderator</a:t>
             </a:r>
-            <a:endParaRPr lang="en-US" dirty="0"/>
           </a:p>
         </p:txBody>
       </p:sp>
@@ -9474,11 +9495,7 @@
           <a:p>
             <a:r>
               <a:rPr lang="en-US" dirty="0" smtClean="0"/>
-              <a:t>Indistinguishable</a:t>
-            </a:r>
-            <a:r>
-              <a:rPr lang="en-US" dirty="0" smtClean="0"/>
-              <a:t>: Two moderation effects</a:t>
+              <a:t>Indistinguishable: Two moderation effects</a:t>
             </a:r>
           </a:p>
           <a:p>
@@ -9534,6 +9551,13 @@
   <p:clrMapOvr>
     <a:masterClrMapping/>
   </p:clrMapOvr>
+  <p:timing>
+    <p:tnLst>
+      <p:par>
+        <p:cTn id="1" dur="indefinite" restart="never" nodeType="tmRoot"/>
+      </p:par>
+    </p:tnLst>
+  </p:timing>
 </p:sld>
 </file>
 
@@ -9597,11 +9621,7 @@
           <a:p>
             <a:r>
               <a:rPr lang="en-US" dirty="0" smtClean="0"/>
-              <a:t>The two partners each have a score, and the average score varies across </a:t>
-            </a:r>
-            <a:r>
-              <a:rPr lang="en-US" dirty="0" smtClean="0"/>
-              <a:t>dyads. Thus, there are really </a:t>
+              <a:t>The two partners each have a score, and the average score varies across dyads. Thus, there are really </a:t>
             </a:r>
             <a:r>
               <a:rPr lang="en-US" b="1" dirty="0" smtClean="0"/>
@@ -9611,7 +9631,6 @@
               <a:rPr lang="en-US" dirty="0" smtClean="0"/>
               <a:t>(actor and partner). </a:t>
             </a:r>
-            <a:endParaRPr lang="en-US" dirty="0" smtClean="0"/>
           </a:p>
           <a:p>
             <a:r>
@@ -9636,23 +9655,14 @@
           <a:p>
             <a:r>
               <a:rPr lang="en-US" dirty="0" smtClean="0"/>
-              <a:t>Distinguishable: Eight moderation </a:t>
-            </a:r>
+              <a:t>Distinguishable: Eight moderation effects</a:t>
+            </a:r>
+          </a:p>
+          <a:p>
+            <a:pPr lvl="1"/>
             <a:r>
               <a:rPr lang="en-US" dirty="0" smtClean="0"/>
-              <a:t>effects</a:t>
-            </a:r>
-            <a:endParaRPr lang="en-US" dirty="0" smtClean="0"/>
-          </a:p>
-          <a:p>
-            <a:pPr lvl="1"/>
-            <a:r>
-              <a:rPr lang="en-US" dirty="0" smtClean="0"/>
-              <a:t>Each of the above also moderated by member type (e.g., husband and wife</a:t>
-            </a:r>
-            <a:r>
-              <a:rPr lang="en-US" dirty="0" smtClean="0"/>
-              <a:t>)</a:t>
+              <a:t>Each of the above also moderated by member type (e.g., husband and wife)</a:t>
             </a:r>
           </a:p>
           <a:p>
@@ -9664,7 +9674,6 @@
               <a:rPr lang="en-US" dirty="0" smtClean="0"/>
               <a:t>It would be great if we could simplify, find patterns among, these effects. </a:t>
             </a:r>
-            <a:endParaRPr lang="en-US" dirty="0" smtClean="0"/>
           </a:p>
           <a:p>
             <a:endParaRPr lang="en-US" dirty="0"/>
@@ -9681,6 +9690,13 @@
   <p:clrMapOvr>
     <a:masterClrMapping/>
   </p:clrMapOvr>
+  <p:timing>
+    <p:tnLst>
+      <p:par>
+        <p:cTn id="1" dur="indefinite" restart="never" nodeType="tmRoot"/>
+      </p:par>
+    </p:tnLst>
+  </p:timing>
 </p:sld>
 </file>
 
@@ -17489,6 +17505,13 @@
   <p:clrMapOvr>
     <a:masterClrMapping/>
   </p:clrMapOvr>
+  <p:timing>
+    <p:tnLst>
+      <p:par>
+        <p:cTn id="1" dur="indefinite" restart="never" nodeType="tmRoot"/>
+      </p:par>
+    </p:tnLst>
+  </p:timing>
 </p:sld>
 </file>
 
@@ -17526,11 +17549,7 @@
           <a:p>
             <a:r>
               <a:rPr lang="en-US" dirty="0" smtClean="0"/>
-              <a:t>Person Period </a:t>
-            </a:r>
-            <a:r>
-              <a:rPr lang="en-US" dirty="0" smtClean="0"/>
-              <a:t>Pairwise Dataset</a:t>
+              <a:t>Person Period Pairwise Dataset</a:t>
             </a:r>
           </a:p>
         </p:txBody>
@@ -17554,11 +17573,7 @@
           <a:p>
             <a:r>
               <a:rPr lang="en-US" sz="2800" dirty="0" smtClean="0"/>
-              <a:t>Each </a:t>
-            </a:r>
-            <a:r>
-              <a:rPr lang="en-US" sz="2800" dirty="0" smtClean="0"/>
-              <a:t>Person by Time combination has its own record</a:t>
+              <a:t>Each Person by Time combination has its own record</a:t>
             </a:r>
           </a:p>
           <a:p>
@@ -17582,11 +17597,7 @@
           <a:p>
             <a:r>
               <a:rPr lang="en-US" sz="2800" dirty="0" smtClean="0"/>
-              <a:t>Required for Multilevel </a:t>
-            </a:r>
-            <a:r>
-              <a:rPr lang="en-US" sz="2800" dirty="0" smtClean="0"/>
-              <a:t>Modeling</a:t>
+              <a:t>Required for Multilevel Modeling</a:t>
             </a:r>
           </a:p>
           <a:p>
@@ -18732,43 +18743,7 @@
             <a:pPr eaLnBrk="1" hangingPunct="1"/>
             <a:r>
               <a:rPr lang="en-US" dirty="0" smtClean="0"/>
-              <a:t>The </a:t>
-            </a:r>
-            <a:r>
-              <a:rPr lang="en-US" dirty="0" smtClean="0"/>
-              <a:t>random option</a:t>
-            </a:r>
-            <a:r>
-              <a:rPr lang="en-US" dirty="0" smtClean="0"/>
-              <a:t> specifies </a:t>
-            </a:r>
-            <a:r>
-              <a:rPr lang="en-US" dirty="0" smtClean="0"/>
-              <a:t>the </a:t>
-            </a:r>
-            <a:r>
-              <a:rPr lang="en-US" dirty="0" smtClean="0"/>
-              <a:t>variances (given as standard deviations) </a:t>
-            </a:r>
-            <a:r>
-              <a:rPr lang="en-US" dirty="0" smtClean="0"/>
-              <a:t>and covariances </a:t>
-            </a:r>
-            <a:r>
-              <a:rPr lang="en-US" dirty="0" smtClean="0"/>
-              <a:t>(given as correlations) between </a:t>
-            </a:r>
-            <a:r>
-              <a:rPr lang="en-US" dirty="0" smtClean="0"/>
-              <a:t>the intercepts and </a:t>
-            </a:r>
-            <a:r>
-              <a:rPr lang="en-US" dirty="0" smtClean="0"/>
-              <a:t>slopes</a:t>
-            </a:r>
-            <a:r>
-              <a:rPr lang="en-US" dirty="0" smtClean="0"/>
-              <a:t>		</a:t>
+              <a:t>The random option specifies the variances (given as standard deviations) and covariances (given as correlations) between the intercepts and slopes		</a:t>
             </a:r>
           </a:p>
         </p:txBody>
@@ -20091,18 +20066,6 @@
                         </a:rPr>
                         <a:t>r</a:t>
                       </a:r>
-                      <a:endParaRPr kumimoji="0" lang="en-US" sz="2800" b="1" i="1" u="none" strike="noStrike" cap="none" normalizeH="0" baseline="0" dirty="0" smtClean="0">
-                        <a:ln>
-                          <a:noFill/>
-                        </a:ln>
-                        <a:solidFill>
-                          <a:schemeClr val="tx1"/>
-                        </a:solidFill>
-                        <a:effectLst/>
-                        <a:latin typeface="Calibri" pitchFamily="34" charset="0"/>
-                        <a:ea typeface="Calibri" pitchFamily="34" charset="0"/>
-                        <a:cs typeface="Times New Roman" pitchFamily="18" charset="0"/>
-                      </a:endParaRPr>
                     </a:p>
                   </a:txBody>
                   <a:tcPr marL="68580" marR="68580" marT="0" marB="0" anchor="ctr" horzOverflow="overflow">
@@ -20565,18 +20528,6 @@
                         </a:rPr>
                         <a:t>r</a:t>
                       </a:r>
-                      <a:endParaRPr kumimoji="0" lang="en-US" sz="2800" b="1" i="1" u="none" strike="noStrike" cap="none" normalizeH="0" baseline="0" dirty="0" smtClean="0">
-                        <a:ln>
-                          <a:noFill/>
-                        </a:ln>
-                        <a:solidFill>
-                          <a:schemeClr val="tx1"/>
-                        </a:solidFill>
-                        <a:effectLst/>
-                        <a:latin typeface="Calibri" pitchFamily="34" charset="0"/>
-                        <a:ea typeface="Calibri" pitchFamily="34" charset="0"/>
-                        <a:cs typeface="Times New Roman" pitchFamily="18" charset="0"/>
-                      </a:endParaRPr>
                     </a:p>
                   </a:txBody>
                   <a:tcPr marL="68580" marR="68580" marT="0" marB="0" anchor="ctr" horzOverflow="overflow">
@@ -20653,18 +20604,6 @@
                         </a:rPr>
                         <a:t>r</a:t>
                       </a:r>
-                      <a:endParaRPr kumimoji="0" lang="en-US" sz="2800" b="1" i="1" u="none" strike="noStrike" cap="none" normalizeH="0" baseline="0" dirty="0" smtClean="0">
-                        <a:ln>
-                          <a:noFill/>
-                        </a:ln>
-                        <a:solidFill>
-                          <a:schemeClr val="tx1"/>
-                        </a:solidFill>
-                        <a:effectLst/>
-                        <a:latin typeface="Calibri" pitchFamily="34" charset="0"/>
-                        <a:ea typeface="Calibri" pitchFamily="34" charset="0"/>
-                        <a:cs typeface="Times New Roman" pitchFamily="18" charset="0"/>
-                      </a:endParaRPr>
                     </a:p>
                   </a:txBody>
                   <a:tcPr marL="68580" marR="68580" marT="0" marB="0" anchor="ctr" horzOverflow="overflow">
@@ -21054,18 +20993,6 @@
                         </a:rPr>
                         <a:t>r</a:t>
                       </a:r>
-                      <a:endParaRPr kumimoji="0" lang="en-US" sz="2800" b="1" i="1" u="none" strike="noStrike" cap="none" normalizeH="0" baseline="0" dirty="0" smtClean="0">
-                        <a:ln>
-                          <a:noFill/>
-                        </a:ln>
-                        <a:solidFill>
-                          <a:schemeClr val="tx1"/>
-                        </a:solidFill>
-                        <a:effectLst/>
-                        <a:latin typeface="Calibri" pitchFamily="34" charset="0"/>
-                        <a:ea typeface="Calibri" pitchFamily="34" charset="0"/>
-                        <a:cs typeface="Times New Roman" pitchFamily="18" charset="0"/>
-                      </a:endParaRPr>
                     </a:p>
                   </a:txBody>
                   <a:tcPr marL="68580" marR="68580" marT="0" marB="0" anchor="ctr" horzOverflow="overflow">
@@ -21142,18 +21069,6 @@
                         </a:rPr>
                         <a:t>r</a:t>
                       </a:r>
-                      <a:endParaRPr kumimoji="0" lang="en-US" sz="2800" b="1" i="1" u="none" strike="noStrike" cap="none" normalizeH="0" baseline="0" dirty="0" smtClean="0">
-                        <a:ln>
-                          <a:noFill/>
-                        </a:ln>
-                        <a:solidFill>
-                          <a:schemeClr val="tx1"/>
-                        </a:solidFill>
-                        <a:effectLst/>
-                        <a:latin typeface="Calibri" pitchFamily="34" charset="0"/>
-                        <a:ea typeface="Calibri" pitchFamily="34" charset="0"/>
-                        <a:cs typeface="Times New Roman" pitchFamily="18" charset="0"/>
-                      </a:endParaRPr>
                     </a:p>
                   </a:txBody>
                   <a:tcPr marL="68580" marR="68580" marT="0" marB="0" anchor="ctr" horzOverflow="overflow">
@@ -21230,18 +21145,6 @@
                         </a:rPr>
                         <a:t>r</a:t>
                       </a:r>
-                      <a:endParaRPr kumimoji="0" lang="en-US" sz="2800" b="1" i="1" u="none" strike="noStrike" cap="none" normalizeH="0" baseline="0" dirty="0" smtClean="0">
-                        <a:ln>
-                          <a:noFill/>
-                        </a:ln>
-                        <a:solidFill>
-                          <a:schemeClr val="tx1"/>
-                        </a:solidFill>
-                        <a:effectLst/>
-                        <a:latin typeface="Calibri" pitchFamily="34" charset="0"/>
-                        <a:ea typeface="Calibri" pitchFamily="34" charset="0"/>
-                        <a:cs typeface="Times New Roman" pitchFamily="18" charset="0"/>
-                      </a:endParaRPr>
                     </a:p>
                   </a:txBody>
                   <a:tcPr marL="68580" marR="68580" marT="0" marB="0" anchor="ctr" horzOverflow="overflow">
@@ -21393,18 +21296,6 @@
                         </a:rPr>
                         <a:t>Residual</a:t>
                       </a:r>
-                      <a:endParaRPr kumimoji="0" lang="en-US" sz="2000" b="1" i="0" u="none" strike="noStrike" cap="none" normalizeH="0" baseline="0" dirty="0" smtClean="0">
-                        <a:ln>
-                          <a:noFill/>
-                        </a:ln>
-                        <a:solidFill>
-                          <a:schemeClr val="tx1"/>
-                        </a:solidFill>
-                        <a:effectLst/>
-                        <a:latin typeface="Calibri" pitchFamily="34" charset="0"/>
-                        <a:ea typeface="Calibri" pitchFamily="34" charset="0"/>
-                        <a:cs typeface="Times New Roman" pitchFamily="18" charset="0"/>
-                      </a:endParaRPr>
                     </a:p>
                   </a:txBody>
                   <a:tcPr marL="68580" marR="68580" marT="0" marB="0" anchor="ctr" horzOverflow="overflow">
@@ -38816,11 +38707,7 @@
             </a:r>
             <a:r>
               <a:rPr lang="en-US" dirty="0" smtClean="0"/>
-              <a:t>he </a:t>
-            </a:r>
-            <a:r>
-              <a:rPr lang="en-US" dirty="0" smtClean="0"/>
-              <a:t>APIM which is regularly used (at least 95% of the time) may often be theoretically inappropriate.</a:t>
+              <a:t>he APIM which is regularly used (at least 95% of the time) may often be theoretically inappropriate.</a:t>
             </a:r>
           </a:p>
           <a:p>
@@ -40339,11 +40226,14 @@
                 </a:spcBef>
               </a:pPr>
               <a:r>
-                <a:rPr lang="de-DE" sz="1600" i="1">
+                <a:rPr lang="de-DE" sz="1600" i="1" dirty="0">
                   <a:sym typeface="Symbol" pitchFamily="18" charset="2"/>
                 </a:rPr>
-                <a:t>a</a:t>
+                <a:t>b</a:t>
               </a:r>
+              <a:endParaRPr lang="de-DE" sz="1600" i="1" dirty="0">
+                <a:sym typeface="Symbol" pitchFamily="18" charset="2"/>
+              </a:endParaRPr>
             </a:p>
           </p:txBody>
         </p:sp>
@@ -42582,11 +42472,14 @@
                 </a:spcBef>
               </a:pPr>
               <a:r>
-                <a:rPr lang="de-DE" sz="1600" i="1">
+                <a:rPr lang="de-DE" sz="1600" i="1" dirty="0">
                   <a:sym typeface="Symbol" pitchFamily="18" charset="2"/>
                 </a:rPr>
-                <a:t>a</a:t>
+                <a:t>b</a:t>
               </a:r>
+              <a:endParaRPr lang="de-DE" sz="1600" i="1" dirty="0">
+                <a:sym typeface="Symbol" pitchFamily="18" charset="2"/>
+              </a:endParaRPr>
             </a:p>
           </p:txBody>
         </p:sp>
@@ -44747,13 +44640,8 @@
             <a:pPr lvl="1"/>
             <a:r>
               <a:rPr lang="en-US" altLang="en-US" dirty="0" smtClean="0"/>
-              <a:t>Cubic, </a:t>
-            </a:r>
-            <a:r>
-              <a:rPr lang="en-US" altLang="en-US" dirty="0" smtClean="0"/>
-              <a:t>quadratic</a:t>
-            </a:r>
-            <a:endParaRPr lang="en-US" altLang="en-US" dirty="0" smtClean="0"/>
+              <a:t>Cubic, quadratic</a:t>
+            </a:r>
           </a:p>
           <a:p>
             <a:r>
@@ -44783,7 +44671,6 @@
               <a:rPr lang="en-US" altLang="en-US" dirty="0" smtClean="0"/>
               <a:t>can handle them</a:t>
             </a:r>
-            <a:endParaRPr lang="en-US" altLang="en-US" dirty="0" smtClean="0"/>
           </a:p>
         </p:txBody>
       </p:sp>
@@ -44971,11 +44858,7 @@
           <a:p>
             <a:r>
               <a:rPr lang="en-US" dirty="0" smtClean="0"/>
-              <a:t>Bonus: Common </a:t>
-            </a:r>
-            <a:r>
-              <a:rPr lang="en-US" dirty="0" smtClean="0"/>
-              <a:t>fate growth model</a:t>
+              <a:t>Bonus: Common fate growth model</a:t>
             </a:r>
             <a:endParaRPr lang="en-US" dirty="0"/>
           </a:p>
@@ -45685,11 +45568,7 @@
           <a:p>
             <a:r>
               <a:rPr lang="en-US" dirty="0" smtClean="0"/>
-              <a:t>Bonus: Other </a:t>
-            </a:r>
-            <a:r>
-              <a:rPr lang="en-US" dirty="0" smtClean="0"/>
-              <a:t>SEM dyad models</a:t>
+              <a:t>Bonus: Other SEM dyad models</a:t>
             </a:r>
             <a:endParaRPr lang="en-US" dirty="0"/>
           </a:p>
@@ -47093,6 +46972,13 @@
   <p:clrMapOvr>
     <a:masterClrMapping/>
   </p:clrMapOvr>
+  <p:timing>
+    <p:tnLst>
+      <p:par>
+        <p:cTn id="1" dur="indefinite" restart="never" nodeType="tmRoot"/>
+      </p:par>
+    </p:tnLst>
+  </p:timing>
 </p:sld>
 </file>
 
